--- a/CLR_via_CSharp/Resources/Week1WhyCLR.pptx
+++ b/CLR_via_CSharp/Resources/Week1WhyCLR.pptx
@@ -9,19 +9,17 @@
     <p:sldId id="258" r:id="rId3"/>
     <p:sldId id="257" r:id="rId4"/>
     <p:sldId id="277" r:id="rId5"/>
-    <p:sldId id="278" r:id="rId6"/>
-    <p:sldId id="264" r:id="rId7"/>
-    <p:sldId id="265" r:id="rId8"/>
-    <p:sldId id="267" r:id="rId9"/>
-    <p:sldId id="268" r:id="rId10"/>
-    <p:sldId id="269" r:id="rId11"/>
-    <p:sldId id="270" r:id="rId12"/>
-    <p:sldId id="271" r:id="rId13"/>
-    <p:sldId id="272" r:id="rId14"/>
-    <p:sldId id="273" r:id="rId15"/>
-    <p:sldId id="274" r:id="rId16"/>
-    <p:sldId id="275" r:id="rId17"/>
-    <p:sldId id="276" r:id="rId18"/>
+    <p:sldId id="264" r:id="rId6"/>
+    <p:sldId id="265" r:id="rId7"/>
+    <p:sldId id="267" r:id="rId8"/>
+    <p:sldId id="268" r:id="rId9"/>
+    <p:sldId id="269" r:id="rId10"/>
+    <p:sldId id="270" r:id="rId11"/>
+    <p:sldId id="271" r:id="rId12"/>
+    <p:sldId id="272" r:id="rId13"/>
+    <p:sldId id="273" r:id="rId14"/>
+    <p:sldId id="274" r:id="rId15"/>
+    <p:sldId id="275" r:id="rId16"/>
   </p:sldIdLst>
   <p:sldSz cx="12192000" cy="6858000"/>
   <p:notesSz cx="6858000" cy="9144000"/>
@@ -6488,7 +6486,7 @@
           <a:p>
             <a:fld id="{C764DE79-268F-4C1A-8933-263129D2AF90}" type="datetimeFigureOut">
               <a:rPr lang="en-US" dirty="0"/>
-              <a:t>6/24/2022</a:t>
+              <a:t>7/7/2022</a:t>
             </a:fld>
             <a:endParaRPr lang="en-US" dirty="0"/>
           </a:p>
@@ -6656,7 +6654,7 @@
           <a:p>
             <a:fld id="{C764DE79-268F-4C1A-8933-263129D2AF90}" type="datetimeFigureOut">
               <a:rPr lang="en-US" dirty="0"/>
-              <a:t>6/24/2022</a:t>
+              <a:t>7/7/2022</a:t>
             </a:fld>
             <a:endParaRPr lang="en-US" dirty="0"/>
           </a:p>
@@ -6834,7 +6832,7 @@
           <a:p>
             <a:fld id="{C764DE79-268F-4C1A-8933-263129D2AF90}" type="datetimeFigureOut">
               <a:rPr lang="en-US" dirty="0"/>
-              <a:t>6/24/2022</a:t>
+              <a:t>7/7/2022</a:t>
             </a:fld>
             <a:endParaRPr lang="en-US" dirty="0"/>
           </a:p>
@@ -7002,7 +7000,7 @@
           <a:p>
             <a:fld id="{C764DE79-268F-4C1A-8933-263129D2AF90}" type="datetimeFigureOut">
               <a:rPr lang="en-US" dirty="0"/>
-              <a:t>6/24/2022</a:t>
+              <a:t>7/7/2022</a:t>
             </a:fld>
             <a:endParaRPr lang="en-US" dirty="0"/>
           </a:p>
@@ -7247,7 +7245,7 @@
           <a:p>
             <a:fld id="{C764DE79-268F-4C1A-8933-263129D2AF90}" type="datetimeFigureOut">
               <a:rPr lang="en-US" dirty="0"/>
-              <a:t>6/24/2022</a:t>
+              <a:t>7/7/2022</a:t>
             </a:fld>
             <a:endParaRPr lang="en-US" dirty="0"/>
           </a:p>
@@ -7476,7 +7474,7 @@
           <a:p>
             <a:fld id="{C764DE79-268F-4C1A-8933-263129D2AF90}" type="datetimeFigureOut">
               <a:rPr lang="en-US" dirty="0"/>
-              <a:t>6/24/2022</a:t>
+              <a:t>7/7/2022</a:t>
             </a:fld>
             <a:endParaRPr lang="en-US" dirty="0"/>
           </a:p>
@@ -7840,7 +7838,7 @@
           <a:p>
             <a:fld id="{C764DE79-268F-4C1A-8933-263129D2AF90}" type="datetimeFigureOut">
               <a:rPr lang="en-US" dirty="0"/>
-              <a:t>6/24/2022</a:t>
+              <a:t>7/7/2022</a:t>
             </a:fld>
             <a:endParaRPr lang="en-US" dirty="0"/>
           </a:p>
@@ -7957,7 +7955,7 @@
           <a:p>
             <a:fld id="{C764DE79-268F-4C1A-8933-263129D2AF90}" type="datetimeFigureOut">
               <a:rPr lang="en-US" dirty="0"/>
-              <a:t>6/24/2022</a:t>
+              <a:t>7/7/2022</a:t>
             </a:fld>
             <a:endParaRPr lang="en-US" dirty="0"/>
           </a:p>
@@ -8052,7 +8050,7 @@
           <a:p>
             <a:fld id="{C764DE79-268F-4C1A-8933-263129D2AF90}" type="datetimeFigureOut">
               <a:rPr lang="en-US" dirty="0"/>
-              <a:t>6/24/2022</a:t>
+              <a:t>7/7/2022</a:t>
             </a:fld>
             <a:endParaRPr lang="en-US" dirty="0"/>
           </a:p>
@@ -8327,7 +8325,7 @@
           <a:p>
             <a:fld id="{C764DE79-268F-4C1A-8933-263129D2AF90}" type="datetimeFigureOut">
               <a:rPr lang="en-US" dirty="0"/>
-              <a:t>6/24/2022</a:t>
+              <a:t>7/7/2022</a:t>
             </a:fld>
             <a:endParaRPr lang="en-US" dirty="0"/>
           </a:p>
@@ -8579,7 +8577,7 @@
           <a:p>
             <a:fld id="{C764DE79-268F-4C1A-8933-263129D2AF90}" type="datetimeFigureOut">
               <a:rPr lang="en-US" dirty="0"/>
-              <a:t>6/24/2022</a:t>
+              <a:t>7/7/2022</a:t>
             </a:fld>
             <a:endParaRPr lang="en-US" dirty="0"/>
           </a:p>
@@ -8790,7 +8788,7 @@
           <a:p>
             <a:fld id="{C764DE79-268F-4C1A-8933-263129D2AF90}" type="datetimeFigureOut">
               <a:rPr lang="en-US" dirty="0"/>
-              <a:t>6/24/2022</a:t>
+              <a:t>7/7/2022</a:t>
             </a:fld>
             <a:endParaRPr lang="en-US" dirty="0"/>
           </a:p>
@@ -9297,223 +9295,6 @@
           <p:cNvPr id="2" name="Title 1">
             <a:extLst>
               <a:ext uri="{FF2B5EF4-FFF2-40B4-BE49-F238E27FC236}">
-                <a16:creationId xmlns:a16="http://schemas.microsoft.com/office/drawing/2014/main" id="{6E088B12-700C-CD87-219A-6B66826CD876}"/>
-              </a:ext>
-            </a:extLst>
-          </p:cNvPr>
-          <p:cNvSpPr>
-            <a:spLocks noGrp="1"/>
-          </p:cNvSpPr>
-          <p:nvPr>
-            <p:ph type="title"/>
-          </p:nvPr>
-        </p:nvSpPr>
-        <p:spPr/>
-        <p:txBody>
-          <a:bodyPr/>
-          <a:lstStyle/>
-          <a:p>
-            <a:r>
-              <a:rPr lang="en-US" dirty="0"/>
-              <a:t>Ok, but I want something that looks readable</a:t>
-            </a:r>
-          </a:p>
-        </p:txBody>
-      </p:sp>
-      <p:sp>
-        <p:nvSpPr>
-          <p:cNvPr id="3" name="Content Placeholder 2">
-            <a:extLst>
-              <a:ext uri="{FF2B5EF4-FFF2-40B4-BE49-F238E27FC236}">
-                <a16:creationId xmlns:a16="http://schemas.microsoft.com/office/drawing/2014/main" id="{727A39B4-37D6-8BA5-C937-190E058190DF}"/>
-              </a:ext>
-            </a:extLst>
-          </p:cNvPr>
-          <p:cNvSpPr>
-            <a:spLocks noGrp="1"/>
-          </p:cNvSpPr>
-          <p:nvPr>
-            <p:ph sz="half" idx="1"/>
-          </p:nvPr>
-        </p:nvSpPr>
-        <p:spPr/>
-        <p:txBody>
-          <a:bodyPr>
-            <a:normAutofit/>
-          </a:bodyPr>
-          <a:lstStyle/>
-          <a:p>
-            <a:pPr marL="0" indent="0">
-              <a:buNone/>
-            </a:pPr>
-            <a:r>
-              <a:rPr lang="en-US" dirty="0"/>
-              <a:t>1972-C</a:t>
-            </a:r>
-          </a:p>
-          <a:p>
-            <a:pPr marL="0" indent="0">
-              <a:buNone/>
-            </a:pPr>
-            <a:endParaRPr lang="en-US" dirty="0"/>
-          </a:p>
-          <a:p>
-            <a:pPr marL="0" indent="0">
-              <a:buNone/>
-            </a:pPr>
-            <a:r>
-              <a:rPr lang="en-US" dirty="0"/>
-              <a:t>Debatably easy for a Human to read. Much harder for a computer to understand</a:t>
-            </a:r>
-          </a:p>
-          <a:p>
-            <a:pPr marL="0" indent="0">
-              <a:buNone/>
-            </a:pPr>
-            <a:endParaRPr lang="en-US" dirty="0"/>
-          </a:p>
-          <a:p>
-            <a:pPr marL="0" indent="0">
-              <a:buNone/>
-            </a:pPr>
-            <a:r>
-              <a:rPr lang="en-US" dirty="0"/>
-              <a:t>How do we run this on a computer?</a:t>
-            </a:r>
-          </a:p>
-        </p:txBody>
-      </p:sp>
-      <p:sp>
-        <p:nvSpPr>
-          <p:cNvPr id="4" name="Content Placeholder 3">
-            <a:extLst>
-              <a:ext uri="{FF2B5EF4-FFF2-40B4-BE49-F238E27FC236}">
-                <a16:creationId xmlns:a16="http://schemas.microsoft.com/office/drawing/2014/main" id="{D3ED406B-E89C-1D67-6EF3-E8274863BFDF}"/>
-              </a:ext>
-            </a:extLst>
-          </p:cNvPr>
-          <p:cNvSpPr>
-            <a:spLocks noGrp="1"/>
-          </p:cNvSpPr>
-          <p:nvPr>
-            <p:ph sz="half" idx="2"/>
-          </p:nvPr>
-        </p:nvSpPr>
-        <p:spPr/>
-        <p:txBody>
-          <a:bodyPr>
-            <a:normAutofit/>
-          </a:bodyPr>
-          <a:lstStyle/>
-          <a:p>
-            <a:pPr marL="0" indent="0">
-              <a:buNone/>
-            </a:pPr>
-            <a:r>
-              <a:rPr lang="en-US" dirty="0"/>
-              <a:t>#include &lt;</a:t>
-            </a:r>
-            <a:r>
-              <a:rPr lang="en-US" dirty="0" err="1"/>
-              <a:t>stdio.h</a:t>
-            </a:r>
-            <a:r>
-              <a:rPr lang="en-US" dirty="0"/>
-              <a:t>&gt;</a:t>
-            </a:r>
-          </a:p>
-          <a:p>
-            <a:pPr marL="0" indent="0">
-              <a:buNone/>
-            </a:pPr>
-            <a:r>
-              <a:rPr lang="en-US" dirty="0"/>
-              <a:t> int main()</a:t>
-            </a:r>
-          </a:p>
-          <a:p>
-            <a:pPr marL="0" indent="0">
-              <a:buNone/>
-            </a:pPr>
-            <a:r>
-              <a:rPr lang="en-US" dirty="0"/>
-              <a:t>{</a:t>
-            </a:r>
-          </a:p>
-          <a:p>
-            <a:pPr marL="0" indent="0">
-              <a:buNone/>
-            </a:pPr>
-            <a:r>
-              <a:rPr lang="en-US" dirty="0" err="1"/>
-              <a:t>printf</a:t>
-            </a:r>
-            <a:r>
-              <a:rPr lang="en-US" dirty="0"/>
-              <a:t>("Hello World");</a:t>
-            </a:r>
-          </a:p>
-          <a:p>
-            <a:pPr marL="0" indent="0">
-              <a:buNone/>
-            </a:pPr>
-            <a:r>
-              <a:rPr lang="en-US" dirty="0"/>
-              <a:t>return 0;</a:t>
-            </a:r>
-          </a:p>
-          <a:p>
-            <a:pPr marL="0" indent="0">
-              <a:buNone/>
-            </a:pPr>
-            <a:r>
-              <a:rPr lang="en-US" dirty="0"/>
-              <a:t>}</a:t>
-            </a:r>
-          </a:p>
-          <a:p>
-            <a:pPr marL="0" indent="0">
-              <a:buNone/>
-            </a:pPr>
-            <a:endParaRPr lang="en-US" dirty="0"/>
-          </a:p>
-        </p:txBody>
-      </p:sp>
-    </p:spTree>
-    <p:extLst>
-      <p:ext uri="{BB962C8B-B14F-4D97-AF65-F5344CB8AC3E}">
-        <p14:creationId xmlns:p14="http://schemas.microsoft.com/office/powerpoint/2010/main" val="619750829"/>
-      </p:ext>
-    </p:extLst>
-  </p:cSld>
-  <p:clrMapOvr>
-    <a:masterClrMapping/>
-  </p:clrMapOvr>
-</p:sld>
-</file>
-
-<file path=ppt/slides/slide11.xml><?xml version="1.0" encoding="utf-8"?>
-<p:sld xmlns:a="http://schemas.openxmlformats.org/drawingml/2006/main" xmlns:r="http://schemas.openxmlformats.org/officeDocument/2006/relationships" xmlns:p="http://schemas.openxmlformats.org/presentationml/2006/main">
-  <p:cSld>
-    <p:spTree>
-      <p:nvGrpSpPr>
-        <p:cNvPr id="1" name=""/>
-        <p:cNvGrpSpPr/>
-        <p:nvPr/>
-      </p:nvGrpSpPr>
-      <p:grpSpPr>
-        <a:xfrm>
-          <a:off x="0" y="0"/>
-          <a:ext cx="0" cy="0"/>
-          <a:chOff x="0" y="0"/>
-          <a:chExt cx="0" cy="0"/>
-        </a:xfrm>
-      </p:grpSpPr>
-      <p:sp>
-        <p:nvSpPr>
-          <p:cNvPr id="2" name="Title 1">
-            <a:extLst>
-              <a:ext uri="{FF2B5EF4-FFF2-40B4-BE49-F238E27FC236}">
                 <a16:creationId xmlns:a16="http://schemas.microsoft.com/office/drawing/2014/main" id="{DC5F5ADC-DD42-E66B-D522-5912D17D0897}"/>
               </a:ext>
             </a:extLst>
@@ -9635,7 +9416,7 @@
 </p:sld>
 </file>
 
-<file path=ppt/slides/slide12.xml><?xml version="1.0" encoding="utf-8"?>
+<file path=ppt/slides/slide11.xml><?xml version="1.0" encoding="utf-8"?>
 <p:sld xmlns:a="http://schemas.openxmlformats.org/drawingml/2006/main" xmlns:r="http://schemas.openxmlformats.org/officeDocument/2006/relationships" xmlns:p="http://schemas.openxmlformats.org/presentationml/2006/main">
   <p:cSld>
     <p:spTree>
@@ -9764,7 +9545,7 @@
 </p:sld>
 </file>
 
-<file path=ppt/slides/slide13.xml><?xml version="1.0" encoding="utf-8"?>
+<file path=ppt/slides/slide12.xml><?xml version="1.0" encoding="utf-8"?>
 <p:sld xmlns:a="http://schemas.openxmlformats.org/drawingml/2006/main" xmlns:r="http://schemas.openxmlformats.org/officeDocument/2006/relationships" xmlns:p="http://schemas.openxmlformats.org/presentationml/2006/main">
   <p:cSld>
     <p:spTree>
@@ -9884,7 +9665,7 @@
 </p:sld>
 </file>
 
-<file path=ppt/slides/slide14.xml><?xml version="1.0" encoding="utf-8"?>
+<file path=ppt/slides/slide13.xml><?xml version="1.0" encoding="utf-8"?>
 <p:sld xmlns:a="http://schemas.openxmlformats.org/drawingml/2006/main" xmlns:r="http://schemas.openxmlformats.org/officeDocument/2006/relationships" xmlns:p="http://schemas.openxmlformats.org/presentationml/2006/main">
   <p:cSld>
     <p:spTree>
@@ -10028,7 +9809,7 @@
 </p:sld>
 </file>
 
-<file path=ppt/slides/slide15.xml><?xml version="1.0" encoding="utf-8"?>
+<file path=ppt/slides/slide14.xml><?xml version="1.0" encoding="utf-8"?>
 <p:sld xmlns:a="http://schemas.openxmlformats.org/drawingml/2006/main" xmlns:r="http://schemas.openxmlformats.org/officeDocument/2006/relationships" xmlns:p="http://schemas.openxmlformats.org/presentationml/2006/main">
   <p:cSld>
     <p:spTree>
@@ -10192,7 +9973,7 @@
 </p:sld>
 </file>
 
-<file path=ppt/slides/slide16.xml><?xml version="1.0" encoding="utf-8"?>
+<file path=ppt/slides/slide15.xml><?xml version="1.0" encoding="utf-8"?>
 <p:sld xmlns:a="http://schemas.openxmlformats.org/drawingml/2006/main" xmlns:r="http://schemas.openxmlformats.org/officeDocument/2006/relationships" xmlns:p="http://schemas.openxmlformats.org/presentationml/2006/main">
   <p:cSld>
     <p:spTree>
@@ -10271,89 +10052,6 @@
     <p:extLst>
       <p:ext uri="{BB962C8B-B14F-4D97-AF65-F5344CB8AC3E}">
         <p14:creationId xmlns:p14="http://schemas.microsoft.com/office/powerpoint/2010/main" val="2326399772"/>
-      </p:ext>
-    </p:extLst>
-  </p:cSld>
-  <p:clrMapOvr>
-    <a:masterClrMapping/>
-  </p:clrMapOvr>
-</p:sld>
-</file>
-
-<file path=ppt/slides/slide17.xml><?xml version="1.0" encoding="utf-8"?>
-<p:sld xmlns:a="http://schemas.openxmlformats.org/drawingml/2006/main" xmlns:r="http://schemas.openxmlformats.org/officeDocument/2006/relationships" xmlns:p="http://schemas.openxmlformats.org/presentationml/2006/main">
-  <p:cSld>
-    <p:spTree>
-      <p:nvGrpSpPr>
-        <p:cNvPr id="1" name=""/>
-        <p:cNvGrpSpPr/>
-        <p:nvPr/>
-      </p:nvGrpSpPr>
-      <p:grpSpPr>
-        <a:xfrm>
-          <a:off x="0" y="0"/>
-          <a:ext cx="0" cy="0"/>
-          <a:chOff x="0" y="0"/>
-          <a:chExt cx="0" cy="0"/>
-        </a:xfrm>
-      </p:grpSpPr>
-      <p:sp>
-        <p:nvSpPr>
-          <p:cNvPr id="2" name="Title 1">
-            <a:extLst>
-              <a:ext uri="{FF2B5EF4-FFF2-40B4-BE49-F238E27FC236}">
-                <a16:creationId xmlns:a16="http://schemas.microsoft.com/office/drawing/2014/main" id="{54B868BF-89E2-8A4C-973B-5304D66FCA96}"/>
-              </a:ext>
-            </a:extLst>
-          </p:cNvPr>
-          <p:cNvSpPr>
-            <a:spLocks noGrp="1"/>
-          </p:cNvSpPr>
-          <p:nvPr>
-            <p:ph type="title"/>
-          </p:nvPr>
-        </p:nvSpPr>
-        <p:spPr/>
-        <p:txBody>
-          <a:bodyPr/>
-          <a:lstStyle/>
-          <a:p>
-            <a:r>
-              <a:rPr lang="en-US" dirty="0"/>
-              <a:t>Starting with Hello World</a:t>
-            </a:r>
-          </a:p>
-        </p:txBody>
-      </p:sp>
-      <p:sp>
-        <p:nvSpPr>
-          <p:cNvPr id="3" name="Content Placeholder 2">
-            <a:extLst>
-              <a:ext uri="{FF2B5EF4-FFF2-40B4-BE49-F238E27FC236}">
-                <a16:creationId xmlns:a16="http://schemas.microsoft.com/office/drawing/2014/main" id="{9D05F998-A222-6E3A-7038-B89643417DDB}"/>
-              </a:ext>
-            </a:extLst>
-          </p:cNvPr>
-          <p:cNvSpPr>
-            <a:spLocks noGrp="1"/>
-          </p:cNvSpPr>
-          <p:nvPr>
-            <p:ph idx="1"/>
-          </p:nvPr>
-        </p:nvSpPr>
-        <p:spPr/>
-        <p:txBody>
-          <a:bodyPr/>
-          <a:lstStyle/>
-          <a:p>
-            <a:endParaRPr lang="en-US" dirty="0"/>
-          </a:p>
-        </p:txBody>
-      </p:sp>
-    </p:spTree>
-    <p:extLst>
-      <p:ext uri="{BB962C8B-B14F-4D97-AF65-F5344CB8AC3E}">
-        <p14:creationId xmlns:p14="http://schemas.microsoft.com/office/powerpoint/2010/main" val="1239462901"/>
       </p:ext>
     </p:extLst>
   </p:cSld>
@@ -10758,7 +10456,7 @@
           <p:nvPr/>
         </p:nvPicPr>
         <p:blipFill>
-          <a:blip r:embed="rId2">
+          <a:blip r:embed="rId2" cstate="print">
             <a:extLst>
               <a:ext uri="{28A0092B-C50C-407E-A947-70E740481C1C}">
                 <a14:useLocalDpi xmlns:a14="http://schemas.microsoft.com/office/drawing/2010/main" val="0"/>
@@ -10805,7 +10503,7 @@
           <p:nvPr/>
         </p:nvPicPr>
         <p:blipFill>
-          <a:blip r:embed="rId3">
+          <a:blip r:embed="rId3" cstate="print">
             <a:extLst>
               <a:ext uri="{28A0092B-C50C-407E-A947-70E740481C1C}">
                 <a14:useLocalDpi xmlns:a14="http://schemas.microsoft.com/office/drawing/2010/main" val="0"/>
@@ -10852,7 +10550,7 @@
           <p:nvPr/>
         </p:nvPicPr>
         <p:blipFill>
-          <a:blip r:embed="rId4">
+          <a:blip r:embed="rId4" cstate="print">
             <a:extLst>
               <a:ext uri="{28A0092B-C50C-407E-A947-70E740481C1C}">
                 <a14:useLocalDpi xmlns:a14="http://schemas.microsoft.com/office/drawing/2010/main" val="0"/>
@@ -10899,7 +10597,7 @@
           <p:nvPr/>
         </p:nvPicPr>
         <p:blipFill>
-          <a:blip r:embed="rId4">
+          <a:blip r:embed="rId4" cstate="print">
             <a:extLst>
               <a:ext uri="{28A0092B-C50C-407E-A947-70E740481C1C}">
                 <a14:useLocalDpi xmlns:a14="http://schemas.microsoft.com/office/drawing/2010/main" val="0"/>
@@ -10945,36 +10643,6 @@
 </file>
 
 <file path=ppt/slides/slide5.xml><?xml version="1.0" encoding="utf-8"?>
-<p:sld xmlns:a="http://schemas.openxmlformats.org/drawingml/2006/main" xmlns:r="http://schemas.openxmlformats.org/officeDocument/2006/relationships" xmlns:p="http://schemas.openxmlformats.org/presentationml/2006/main">
-  <p:cSld>
-    <p:spTree>
-      <p:nvGrpSpPr>
-        <p:cNvPr id="1" name=""/>
-        <p:cNvGrpSpPr/>
-        <p:nvPr/>
-      </p:nvGrpSpPr>
-      <p:grpSpPr>
-        <a:xfrm>
-          <a:off x="0" y="0"/>
-          <a:ext cx="0" cy="0"/>
-          <a:chOff x="0" y="0"/>
-          <a:chExt cx="0" cy="0"/>
-        </a:xfrm>
-      </p:grpSpPr>
-    </p:spTree>
-    <p:extLst>
-      <p:ext uri="{BB962C8B-B14F-4D97-AF65-F5344CB8AC3E}">
-        <p14:creationId xmlns:p14="http://schemas.microsoft.com/office/powerpoint/2010/main" val="523707254"/>
-      </p:ext>
-    </p:extLst>
-  </p:cSld>
-  <p:clrMapOvr>
-    <a:masterClrMapping/>
-  </p:clrMapOvr>
-</p:sld>
-</file>
-
-<file path=ppt/slides/slide6.xml><?xml version="1.0" encoding="utf-8"?>
 <p:sld xmlns:a="http://schemas.openxmlformats.org/drawingml/2006/main" xmlns:r="http://schemas.openxmlformats.org/officeDocument/2006/relationships" xmlns:p="http://schemas.openxmlformats.org/presentationml/2006/main">
   <p:cSld>
     <p:spTree>
@@ -11183,7 +10851,7 @@
 </p:sld>
 </file>
 
-<file path=ppt/slides/slide7.xml><?xml version="1.0" encoding="utf-8"?>
+<file path=ppt/slides/slide6.xml><?xml version="1.0" encoding="utf-8"?>
 <p:sld xmlns:a="http://schemas.openxmlformats.org/drawingml/2006/main" xmlns:r="http://schemas.openxmlformats.org/officeDocument/2006/relationships" xmlns:p="http://schemas.openxmlformats.org/presentationml/2006/main">
   <p:cSld>
     <p:spTree>
@@ -11299,7 +10967,7 @@
 </p:sld>
 </file>
 
-<file path=ppt/slides/slide8.xml><?xml version="1.0" encoding="utf-8"?>
+<file path=ppt/slides/slide7.xml><?xml version="1.0" encoding="utf-8"?>
 <p:sld xmlns:a="http://schemas.openxmlformats.org/drawingml/2006/main" xmlns:r="http://schemas.openxmlformats.org/officeDocument/2006/relationships" xmlns:p="http://schemas.openxmlformats.org/presentationml/2006/main">
   <p:cSld>
     <p:spTree>
@@ -11437,7 +11105,7 @@
 </p:sld>
 </file>
 
-<file path=ppt/slides/slide9.xml><?xml version="1.0" encoding="utf-8"?>
+<file path=ppt/slides/slide8.xml><?xml version="1.0" encoding="utf-8"?>
 <p:sld xmlns:a="http://schemas.openxmlformats.org/drawingml/2006/main" xmlns:r="http://schemas.openxmlformats.org/officeDocument/2006/relationships" xmlns:p="http://schemas.openxmlformats.org/presentationml/2006/main">
   <p:cSld>
     <p:spTree>
@@ -11677,6 +11345,223 @@
     <p:extLst>
       <p:ext uri="{BB962C8B-B14F-4D97-AF65-F5344CB8AC3E}">
         <p14:creationId xmlns:p14="http://schemas.microsoft.com/office/powerpoint/2010/main" val="4278817627"/>
+      </p:ext>
+    </p:extLst>
+  </p:cSld>
+  <p:clrMapOvr>
+    <a:masterClrMapping/>
+  </p:clrMapOvr>
+</p:sld>
+</file>
+
+<file path=ppt/slides/slide9.xml><?xml version="1.0" encoding="utf-8"?>
+<p:sld xmlns:a="http://schemas.openxmlformats.org/drawingml/2006/main" xmlns:r="http://schemas.openxmlformats.org/officeDocument/2006/relationships" xmlns:p="http://schemas.openxmlformats.org/presentationml/2006/main">
+  <p:cSld>
+    <p:spTree>
+      <p:nvGrpSpPr>
+        <p:cNvPr id="1" name=""/>
+        <p:cNvGrpSpPr/>
+        <p:nvPr/>
+      </p:nvGrpSpPr>
+      <p:grpSpPr>
+        <a:xfrm>
+          <a:off x="0" y="0"/>
+          <a:ext cx="0" cy="0"/>
+          <a:chOff x="0" y="0"/>
+          <a:chExt cx="0" cy="0"/>
+        </a:xfrm>
+      </p:grpSpPr>
+      <p:sp>
+        <p:nvSpPr>
+          <p:cNvPr id="2" name="Title 1">
+            <a:extLst>
+              <a:ext uri="{FF2B5EF4-FFF2-40B4-BE49-F238E27FC236}">
+                <a16:creationId xmlns:a16="http://schemas.microsoft.com/office/drawing/2014/main" id="{6E088B12-700C-CD87-219A-6B66826CD876}"/>
+              </a:ext>
+            </a:extLst>
+          </p:cNvPr>
+          <p:cNvSpPr>
+            <a:spLocks noGrp="1"/>
+          </p:cNvSpPr>
+          <p:nvPr>
+            <p:ph type="title"/>
+          </p:nvPr>
+        </p:nvSpPr>
+        <p:spPr/>
+        <p:txBody>
+          <a:bodyPr/>
+          <a:lstStyle/>
+          <a:p>
+            <a:r>
+              <a:rPr lang="en-US" dirty="0"/>
+              <a:t>Ok, but I want something that looks readable</a:t>
+            </a:r>
+          </a:p>
+        </p:txBody>
+      </p:sp>
+      <p:sp>
+        <p:nvSpPr>
+          <p:cNvPr id="3" name="Content Placeholder 2">
+            <a:extLst>
+              <a:ext uri="{FF2B5EF4-FFF2-40B4-BE49-F238E27FC236}">
+                <a16:creationId xmlns:a16="http://schemas.microsoft.com/office/drawing/2014/main" id="{727A39B4-37D6-8BA5-C937-190E058190DF}"/>
+              </a:ext>
+            </a:extLst>
+          </p:cNvPr>
+          <p:cNvSpPr>
+            <a:spLocks noGrp="1"/>
+          </p:cNvSpPr>
+          <p:nvPr>
+            <p:ph sz="half" idx="1"/>
+          </p:nvPr>
+        </p:nvSpPr>
+        <p:spPr/>
+        <p:txBody>
+          <a:bodyPr>
+            <a:normAutofit/>
+          </a:bodyPr>
+          <a:lstStyle/>
+          <a:p>
+            <a:pPr marL="0" indent="0">
+              <a:buNone/>
+            </a:pPr>
+            <a:r>
+              <a:rPr lang="en-US" dirty="0"/>
+              <a:t>1972-C</a:t>
+            </a:r>
+          </a:p>
+          <a:p>
+            <a:pPr marL="0" indent="0">
+              <a:buNone/>
+            </a:pPr>
+            <a:endParaRPr lang="en-US" dirty="0"/>
+          </a:p>
+          <a:p>
+            <a:pPr marL="0" indent="0">
+              <a:buNone/>
+            </a:pPr>
+            <a:r>
+              <a:rPr lang="en-US" dirty="0"/>
+              <a:t>Debatably easy for a Human to read. Much harder for a computer to understand</a:t>
+            </a:r>
+          </a:p>
+          <a:p>
+            <a:pPr marL="0" indent="0">
+              <a:buNone/>
+            </a:pPr>
+            <a:endParaRPr lang="en-US" dirty="0"/>
+          </a:p>
+          <a:p>
+            <a:pPr marL="0" indent="0">
+              <a:buNone/>
+            </a:pPr>
+            <a:r>
+              <a:rPr lang="en-US" dirty="0"/>
+              <a:t>How do we run this on a computer?</a:t>
+            </a:r>
+          </a:p>
+        </p:txBody>
+      </p:sp>
+      <p:sp>
+        <p:nvSpPr>
+          <p:cNvPr id="4" name="Content Placeholder 3">
+            <a:extLst>
+              <a:ext uri="{FF2B5EF4-FFF2-40B4-BE49-F238E27FC236}">
+                <a16:creationId xmlns:a16="http://schemas.microsoft.com/office/drawing/2014/main" id="{D3ED406B-E89C-1D67-6EF3-E8274863BFDF}"/>
+              </a:ext>
+            </a:extLst>
+          </p:cNvPr>
+          <p:cNvSpPr>
+            <a:spLocks noGrp="1"/>
+          </p:cNvSpPr>
+          <p:nvPr>
+            <p:ph sz="half" idx="2"/>
+          </p:nvPr>
+        </p:nvSpPr>
+        <p:spPr/>
+        <p:txBody>
+          <a:bodyPr>
+            <a:normAutofit/>
+          </a:bodyPr>
+          <a:lstStyle/>
+          <a:p>
+            <a:pPr marL="0" indent="0">
+              <a:buNone/>
+            </a:pPr>
+            <a:r>
+              <a:rPr lang="en-US" dirty="0"/>
+              <a:t>#include &lt;</a:t>
+            </a:r>
+            <a:r>
+              <a:rPr lang="en-US" dirty="0" err="1"/>
+              <a:t>stdio.h</a:t>
+            </a:r>
+            <a:r>
+              <a:rPr lang="en-US" dirty="0"/>
+              <a:t>&gt;</a:t>
+            </a:r>
+          </a:p>
+          <a:p>
+            <a:pPr marL="0" indent="0">
+              <a:buNone/>
+            </a:pPr>
+            <a:r>
+              <a:rPr lang="en-US" dirty="0"/>
+              <a:t> int main()</a:t>
+            </a:r>
+          </a:p>
+          <a:p>
+            <a:pPr marL="0" indent="0">
+              <a:buNone/>
+            </a:pPr>
+            <a:r>
+              <a:rPr lang="en-US" dirty="0"/>
+              <a:t>{</a:t>
+            </a:r>
+          </a:p>
+          <a:p>
+            <a:pPr marL="0" indent="0">
+              <a:buNone/>
+            </a:pPr>
+            <a:r>
+              <a:rPr lang="en-US" dirty="0" err="1"/>
+              <a:t>printf</a:t>
+            </a:r>
+            <a:r>
+              <a:rPr lang="en-US" dirty="0"/>
+              <a:t>("Hello World");</a:t>
+            </a:r>
+          </a:p>
+          <a:p>
+            <a:pPr marL="0" indent="0">
+              <a:buNone/>
+            </a:pPr>
+            <a:r>
+              <a:rPr lang="en-US" dirty="0"/>
+              <a:t>return 0;</a:t>
+            </a:r>
+          </a:p>
+          <a:p>
+            <a:pPr marL="0" indent="0">
+              <a:buNone/>
+            </a:pPr>
+            <a:r>
+              <a:rPr lang="en-US" dirty="0"/>
+              <a:t>}</a:t>
+            </a:r>
+          </a:p>
+          <a:p>
+            <a:pPr marL="0" indent="0">
+              <a:buNone/>
+            </a:pPr>
+            <a:endParaRPr lang="en-US" dirty="0"/>
+          </a:p>
+        </p:txBody>
+      </p:sp>
+    </p:spTree>
+    <p:extLst>
+      <p:ext uri="{BB962C8B-B14F-4D97-AF65-F5344CB8AC3E}">
+        <p14:creationId xmlns:p14="http://schemas.microsoft.com/office/powerpoint/2010/main" val="619750829"/>
       </p:ext>
     </p:extLst>
   </p:cSld>
